--- a/presentation.pptx
+++ b/presentation.pptx
@@ -110,34 +110,6 @@
     </p:ext>
   </p:extLst>
 </p:presentation>
-</file>
-
-<file path=ppt/ink/ink1.xml><?xml version="1.0" encoding="utf-8"?>
-<inkml:ink xmlns:inkml="http://www.w3.org/2003/InkML">
-  <inkml:definitions>
-    <inkml:context xml:id="ctx0">
-      <inkml:inkSource xml:id="inkSrc0">
-        <inkml:traceFormat>
-          <inkml:channel name="X" type="integer" min="-2.14748E9" max="2.14748E9" units="cm"/>
-          <inkml:channel name="Y" type="integer" min="-2.14748E9" max="2.14748E9" units="cm"/>
-          <inkml:channel name="F" type="integer" max="32767" units="dev"/>
-        </inkml:traceFormat>
-        <inkml:channelProperties>
-          <inkml:channelProperty channel="X" name="resolution" value="1000" units="1/cm"/>
-          <inkml:channelProperty channel="Y" name="resolution" value="1000" units="1/cm"/>
-          <inkml:channelProperty channel="F" name="resolution" value="0" units="1/dev"/>
-        </inkml:channelProperties>
-      </inkml:inkSource>
-      <inkml:timestamp xml:id="ts0" timeString="2022-02-12T00:25:58.501"/>
-    </inkml:context>
-    <inkml:brush xml:id="br0">
-      <inkml:brushProperty name="width" value="0.05" units="cm"/>
-      <inkml:brushProperty name="height" value="0.05" units="cm"/>
-      <inkml:brushProperty name="color" value="#FFFFFF"/>
-    </inkml:brush>
-  </inkml:definitions>
-  <inkml:trace contextRef="#ctx0" brushRef="#br0">52 111 24575,'142'-11'0,"-110"11"0,0-1 0,40-6 0,-40 4 0,0 1 0,0 1 0,41 5 0,-28 0 0,56 2 0,-54-4 0,62 9 0,45 16 0,9 3 0,-11 2 0,-124-28 0,0-1 0,1-2 0,49-3 0,-10 0 0,643 2 0,-693-1 0,1-1 0,25-6 0,-24 4 0,-1 1 0,21-1 0,-15 3 0,37-8 0,-39 5 0,-1 1 0,28-1 0,80 5 0,-167-12 0,-181 12 0,-19-2 0,194-2 0,-97-5 0,-195-2 0,271 8 0,38 0 0,-1 1 0,1 2 0,-35 5 0,43-1 0,33-3 0,29-5 0,18-14 0,-44 12 0,1 0 0,-1 0 0,30-2 0,204-2 0,-188 10 0,71-3 0,-101-8 0,-30 8 0,0 0 0,0 0 0,0 1 0,0 0 0,0 0 0,1 0 0,5-1 0,189-8 0,-98 10 0,88 1 0,-105 9 0,-58-5 0,53 1 0,-30-6 0,-86 11 0,23-8 0,-1 1 0,1 0 0,0 1 0,-20 10 0,19-7 0,-1-1 0,0-1 0,-19 4 0,-176 22 0,61-31 0,296-13 0,170 3 0,175 9 0,-557 10 0,-224 20 0,199-26 0,60-4 0,-39 6 0,0-3 0,83-5 0,0 0 0,0-1 0,-1 0 0,1-1 0,-1-1 0,16-7 0,29-10 0,7 3 0,0 2 0,1 4 0,76-7 0,-38 12 0,124-10 0,-181 9 0,-107 13 0,-13 11 0,43-8 0,-39 4 0,-645 5 0,472-18 0,196 4 0,31-1 0,0 0 0,-1-1 0,1-1 0,-28-4 0,44 5 0,0 0 0,0 0 0,0 0 0,0 0 0,1 0 0,-1 0 0,0-1 0,0 1 0,0 0 0,0 0 0,0 0 0,0 0 0,0 0 0,0 0 0,0 0 0,0 0 0,0 0 0,0 0 0,0 0 0,0 0 0,0 0 0,0-1 0,1 1 0,-1 0 0,0 0 0,0 0 0,0 0 0,0 0 0,0 0 0,0 0 0,0 0 0,0 0 0,0-1 0,0 1 0,0 0 0,0 0 0,-1 0 0,1 0 0,0 0 0,0 0 0,0 0 0,0 0 0,0 0 0,0 0 0,0-1 0,0 1 0,0 0 0,0 0 0,0 0 0,0 0 0,0 0 0,0 0 0,0 0 0,0 0 0,-1 0 0,1 0 0,0 0 0,0 0 0,0 0 0,0 0 0,0 0 0,0 0 0,0 0 0,-1 0 0,15-6 0,16-1 0,58-10 0,-57 11 0,52-6 0,19 2 0,39-1 0,312 31 0,-420-19 0,-31-1 0,-4 0 0,-18 1 0,-84 8 0,-95 3 0,35-12 0,180-2 0,-1 0 0,25-7 0,-6 1 0,69-8 0,267 10 0,-289 7 0,-123-3 0,1-1 0,-46-10 0,26 5 0,0 3 0,-67 3 0,-377 3 0,486 0 0,0 1 0,-29 7 0,-14 1 0,15 0 0,38-7 0,0-1 0,0 0 0,0 0 0,-14 0 0,-178 7 0,-88-6 0,153-5 0,-3 2 0,306-10 0,63 9 0,-197 1 0,-61 0 0,0 2 0,0 1 0,-28 6 0,-7 2 0,-128 8 0,-66-19 0,119-1 0,98 0 0,0-1 0,-69-13 0,192 11 0,147 18 0,-153-7 0,50-5 0,-74-3 0,52 7 0,-31 2 0,63 9 0,-72-5 0,109 17 0,-155-29 0,-15 0 0,-1-1 0,1 1 0,0 0 0,0 1 0,0-1 0,-1 0 0,1 1 0,0 0 0,-1 0 0,6 2 0,-13 0 0,0-1 0,0 0 0,-1 0 0,0 0 0,1-1 0,-7 2 0,-99 17 0,58-10 0,-59 5 0,-485-5 0,461-10 0,967 19 0,-784-20 0,-36 0 0,0 1 0,0 0 0,-1 1 0,1 0 0,11 3 0,-23-4 0,0 0 0,0 0 0,0 0 0,0 0 0,0 0 0,0 0 0,0 0 0,0 0 0,0 0 0,0 0 0,0 0 0,0 0 0,0 0 0,-1 0 0,1 0 0,0 0 0,0 0 0,0 1 0,0-1 0,0 0 0,0 0 0,0 0 0,0 0 0,0 0 0,0 0 0,0 0 0,0 0 0,0 0 0,0 0 0,0 0 0,0 0 0,0 0 0,0 1 0,0-1 0,0 0 0,0 0 0,0 0 0,1 0 0,-1 0 0,0 0 0,0 0 0,0 0 0,0 0 0,0 0 0,0 0 0,0 0 0,0 0 0,0 0 0,0 0 0,0 0 0,0 0 0,0 0 0,0 0 0,0 0 0,-11 3 0,-16 0 0,-215-4 0,-82 2 0,262 5 0,-30 0 0,115-8 0,0-1 0,0-1 0,-1-1 0,25-9 0,-8 4 0,-22 6 0,0 2 0,0 0 0,28 1 0,19-2 0,33 0 0,-73 3 0,1 0 0,-1-2 0,35-6 0,-134 11 0,-7 7 0,0-4 0,-98-5 0,97-1 0,-59-12 0,141 13 0,0-1 0,0 0 0,1 0 0,-1 0 0,0 0 0,0 0 0,0 0 0,1 0 0,-1 0 0,0 0 0,0 0 0,0-1 0,1 1 0,-1 0 0,0 0 0,0-1 0,1 1 0,-1-1 0,0 1 0,1-1 0,-1 1 0,0-1 0,1 1 0,-1-1 0,1 1 0,-1-1 0,1 0 0,-1 0 0,1 0 0,1 0 0,-1-1 0,1 1 0,-1 0 0,1 0 0,0 1 0,-1-1 0,1 0 0,0 0 0,0 0 0,0 0 0,0 1 0,0-1 0,0 0 0,0 1 0,1-1 0,7-5 0,1 1 0,0 1 0,12-5 0,22-9 0,-37 15 0,-1-1 0,2 1 0,-1 1 0,0-1 0,0 1 0,9-1 0,37-4 0,-4 1 0,71-1 0,-167 17 0,-176-1 0,180-8 0,0-2 0,1-1 0,-51-10 0,37 4 0,-59 0 0,87 6 0,0-2 0,0 0 0,0-2 0,-34-12 0,61 18 0,1 0 0,0 0 0,0 0 0,-1 0 0,1 0 0,0 0 0,0 0 0,-1 0 0,1 0 0,0 0 0,0 0 0,-1 0 0,1 0 0,0 0 0,0 0 0,-1 0 0,1 0 0,0-1 0,0 1 0,-1 0 0,1 0 0,0 0 0,0 0 0,0-1 0,0 1 0,-1 0 0,1 0 0,0 0 0,0-1 0,0 1 0,0 0 0,0 0 0,0-1 0,-1 1 0,1 0 0,0 0 0,0-1 0,0 1 0,0 0 0,0 0 0,0-1 0,0 1 0,0 0 0,12-6 0,19-1 0,24 1 0,0 2 0,0 2 0,1 3 0,83 12 0,86 15 0,-159-22 0,25 3 0,307 37 0,-365-42 0,38-2 0,-49-3 0,0 1 0,0 2 0,0 0 0,0 1 0,21 7 0,-42-10 0,-1 0 0,1 0 0,-1 0 0,1 0 0,-1 0 0,0 0 0,1 0 0,-1 0 0,1 0 0,-1 0 0,1 0 0,-1 0 0,0 1 0,1-1 0,-1 0 0,1 0 0,-1 0 0,0 1 0,1-1 0,-1 0 0,0 0 0,1 1 0,-1-1 0,0 0 0,1 1 0,-1-1 0,0 0 0,0 1 0,0-1 0,1 1 0,-1-1 0,0 0 0,0 1 0,0-1 0,1 1 0,-18 4 0,-30-3 0,-95-24 0,17 7 0,80 7 0,-80-1 0,-40-1 0,129 8 0,-1-1 0,-36-8 0,-29-4 0,87 15 0,12 1 0,0-1 0,1 0 0,-1 0 0,0 0 0,0 0 0,1 0 0,-1 0 0,0-1 0,1 0 0,-1 1 0,0-1 0,-3-2 0,8 1 0,1 0 0,-1-1 0,1 1 0,0 1 0,0-1 0,0 0 0,0 1 0,0-1 0,3 0 0,100-21 0,-97 21 0,0 0 0,0 0 0,0 1 0,1 0 0,-1 1 0,16 1 0,-11-1 0,-50-10 0,-160 10 0,239 0 0,-1 1 0,0 2 0,78 16 0,4 10 0,161 16 0,-109-14 0,9 0 0,-286-34 0,-21-1 0,69-1 0,-222-15 0,240 18 0,-44-7 0,45 4 0,-52-1 0,682 7 0,-584 2 0,-25 3 0,-24 4 0,-264 24 0,251-28 0,-77 21 0,-9 2 0,27-19 0,-189-6 0,155-6 0,30-7 0,95 7 0,8 0 0,10-1 0,14-4 0,28-1 0,35 3 0,165-17 0,-168 17 0,-51 4 0,-1 0 0,31-7 0,-53 5 0,-9 0 0,-9-2 0,-31-4 0,0 3 0,-70-1 0,-512 7 0,546 11 0,70-10 0,0 1 0,0 0 0,-27 8 0,25-6 0,0 0 0,-23 2 0,38-6 0,1 0 0,-1 0 0,1 0 0,0 0 0,-1 0 0,1 0 0,-1 0 0,1 0 0,0-1 0,-1 1 0,1 0 0,0-1 0,-1 1 0,1-1 0,0 0 0,0 1 0,0-1 0,-1 0 0,1 0 0,0 0 0,0 0 0,0 0 0,0 0 0,0 0 0,-1-2 0,0-1 0,1-1 0,-1 1 0,1-1 0,0 1 0,0-1 0,0-6 0,0 6 0,1 0 0,-1 0 0,0 1 0,0-1 0,-1 0 0,-2-5 0,4 10 0,-1-1 0,1 0 0,-1 1 0,0-1 0,1 0 0,-1 0 0,1 1 0,0-1 0,-1 0 0,1 0 0,0 0 0,-1 0 0,1 1 0,0-1 0,0 0 0,0 0 0,0 0 0,0 0 0,0 0 0,0 0 0,0 0 0,0 0 0,0 0 0,0 1 0,1-1 0,-1 0 0,0 0 0,0 0 0,1 0 0,-1 0 0,1 1 0,-1-1 0,1-1 0,2 1 0,0 0 0,0 0 0,-1 1 0,1-1 0,0 1 0,0-1 0,0 1 0,0 0 0,0 0 0,3 0 0,288 1 0,-300 0 0,0 1 0,0-1 0,0 1 0,0 0 0,-9 5 0,-10 3 0,-29 12 0,41-16 0,0-1 0,0 0 0,-1-1 0,-17 4 0,21-6 0,1 1 0,-1 0 0,1 0 0,0 1 0,0 0 0,-9 6 0,-32 13 0,103-37 0,-32 9 0,0-1 0,-1-1 0,1-1 0,24-13 0,-28 13 0,-1 1 0,1 1 0,32-9 0,13-5 0,-16 8 0,-38 11 0,1-1 0,-1-1 0,0 1 0,1-1 0,12-7 0,-13 6 0,0 0 0,0 1 0,1 0 0,-1 1 0,10-2 0,28-9 0,-41 10 0,13-5 0,-14 8 0,-8 9 0,-1-4 0,0 0 0,-1-1 0,1 0 0,-1 1 0,0-2 0,-9 5 0,-9 7 0,6 0 0,17-10 0,14-6 0,7-4 0,-14 4 0,0-1 0,0 1 0,0-1 0,0 0 0,0-1 0,-1 1 0,1-1 0,7-6 0,-12 8 0,1 0 0,-1 0 0,1 0 0,-1 0 0,1 0 0,-1 0 0,1 0 0,-1 1 0,1-1 0,0 1 0,-1-1 0,1 1 0,0-1 0,-1 1 0,1 0 0,2 0 0,-4 0 0,1 0 0,-1 0 0,0 0 0,0 0 0,0 0 0,1 1 0,-1-1 0,0 0 0,0 0 0,0 0 0,0 0 0,1 1 0,-1-1 0,0 0 0,0 0 0,0 0 0,0 1 0,0-1 0,0 0 0,0 0 0,0 0 0,0 1 0,0-1 0,1 0 0,-1 0 0,0 1 0,0-1 0,0 0 0,0 0 0,0 0 0,-1 1 0,1-1 0,0 0 0,0 0 0,0 1 0,0-1 0,-10 16 0,-4-1 0,0-1 0,-2 0 0,1-1 0,-30 18 0,-75 37 0,112-64 0,-46 26 0,25-13 0,-1-1 0,0-2 0,-43 14 0,50-19 0,19-7 0,16-10 0,-11 7 0,3-2 0,1 0 0,0 0 0,0 0 0,0 1 0,0-1 0,0 1 0,1 0 0,-1 1 0,1-1 0,-1 1 0,6 0 0,53-19 0,-60 19 0,0 0 0,0-1 0,0 1 0,-1-1 0,1 0 0,-1 0 0,5-3 0,-5 3 0,0 0 0,0 0 0,0 0 0,0 1 0,1-1 0,-1 1 0,1 0 0,-1 0 0,0 0 0,6-1 0,13 1 0,0-1 0,0-1 0,22-7 0,-32 8 0,0 0 0,1 0 0,18 1 0,-20 1 0,1-1 0,0 0 0,-1 0 0,16-5 0,26-12 0,-102 18 0,16 9 0,-12 3 0,31-10 0,0 1 0,-22 7 0,-16 4 0,31-9 0,-36 12 0,-12 4 0,60-17 0,8-1 0,2-3 0,0 0 0,0 1 0,0-1 0,-1 0 0,1 0 0,0 0 0,0 0 0,-1 0 0,1 0 0,0 0 0,0 0 0,0 0 0,-1-1 0,1 1 0,0 0 0,0 0 0,-1-1 0,2 0 0,57-23 0,16-9 0,-51 25 0,-22 8 0,1-1 0,0 1 0,-1-1 0,1 0 0,-1 0 0,1 0 0,-1 0 0,0 0 0,1 0 0,-1 0 0,0-1 0,0 1 0,0-1 0,0 0 0,2-2 0,-4 4 0,0 0 0,0-1 0,-1 1 0,1 0 0,0-1 0,-1 1 0,1 0 0,0-1 0,0 1 0,-1 0 0,1 0 0,0-1 0,-1 1 0,1 0 0,-1 0 0,1 0 0,0-1 0,-1 1 0,1 0 0,-1 0 0,1 0 0,0 0 0,-1 0 0,1 0 0,-1 0 0,1 0 0,0 0 0,-1 0 0,1 0 0,-1 0 0,1 0 0,-1 0 0,0 1 0,-16 0 0,-41 8 0,-63 2 0,135-14 0,-1 0 0,1-2 0,-1 0 0,0 0 0,13-8 0,1 1 0,-27 12 0,10-4 0,0 0 0,-1-1 0,0 0 0,0-1 0,0 1 0,12-12 0,-21 17 0,-1 0 0,1-1 0,0 1 0,0 0 0,0 0 0,-1-1 0,1 1 0,0 0 0,0 0 0,-1 0 0,1-1 0,0 1 0,0 0 0,-1 0 0,1 0 0,0 0 0,-1 0 0,1-1 0,0 1 0,-1 0 0,1 0 0,0 0 0,-1 0 0,1 0 0,0 0 0,-1 0 0,1 0 0,0 0 0,-1 0 0,1 0 0,0 1 0,0-1 0,-1 0 0,1 0 0,0 0 0,-1 0 0,1 0 0,-1 1 0,-16 1 0,-35 5 0,-7 2 0,113-11 0,-13-8 0,-14 3 0,44-5 0,-55 9 0,0 0 0,-1-1 0,0-1 0,15-6 0,16-6 0,-18 12 0,-23 4 0,0 1 0,0-1 0,1 0 0,-1-1 0,0 1 0,0-1 0,0 0 0,0 0 0,0 0 0,5-5 0,-10 4 0,-10 8 0,-11 8 0,8-3 0,-1 0 0,0-1 0,-15 7 0,14-8 0,0 0 0,-25 21 0,39-29 0,1 0 0,0 1 0,0-1 0,0 0 0,0 1 0,-1-1 0,1 0 0,0 1 0,0-1 0,0 1 0,0-1 0,0 0 0,0 1 0,0-1 0,0 0 0,0 1 0,0-1 0,0 1 0,0-1 0,0 0 0,0 1 0,1-1 0,-1 0 0,0 1 0,0-1 0,0 0 0,0 1 0,1-1 0,-1 0 0,0 1 0,0-1 0,1 0 0,-1 0 0,0 1 0,0-1 0,1 0 0,-1 0 0,0 0 0,1 1 0,-1-1 0,0 0 0,1 0 0,-1 0 0,0 0 0,1 0 0,-1 0 0,1 0 0,-1 1 0,0-1 0,1 0 0,27 9 0,-21-7 0,13 4 0,1-2 0,0 0 0,0-1 0,-1-2 0,1 0 0,0-1 0,23-3 0,18 1 0,65 2-32,-1 5 0,0 6 0,150 32 0,171 29-612,-398-69 852,-38-3-138,-1 0 1,1 0-1,0 1 1,-1 1 0,1 0-1,-1 0 1,14 6-1,-24-8-70,1 0 0,-1 0 0,0 0 0,0 0 0,0 0 0,0 0 0,0 0 0,0 0 0,0 0 0,1 0 0,-1 0 0,0 0 0,0 0 0,0 0 0,0 0 0,0 0 0,0 0 0,0 0 0,1 0 0,-1 0 0,0 0 0,0 0 0,0 0 0,0 1 0,0-1 0,0 0 0,0 0 0,0 0 0,0 0 0,0 0 0,0 0 0,0 0 0,1 0 0,-1 1 0,0-1 0,0 0 0,0 0 0,0 0 0,0 0 0,0 0 0,0 0 0,0 1 0,0-1 0,0 0 0,0 0 0,0 0 0,0 0 0,-1 0 0,1 0 0,0 0 0,0 1 0,0-1 0,0 0 0,0 0 0,0 0 0,0 0 0,0 0 0,0 0 0,0 0 0,0 0 0,0 1 0,-1-1 0,1 0 0,0 0 0,-13 3 0,-16 0 0,-150 4 0,154-5 0,-374 1 0,209-5 0,152 0 0,0-2 0,-58-13 0,-8-1 0,73 16 0,23 2 0,1 0 0,-1-1 0,1 0 0,-1 0 0,1 0 0,-13-5 0,20 6 0,0 0 0,0 0 0,0 0 0,0 0 0,0 0 0,-1 0 0,1 0 0,0 0 0,0 0 0,0 0 0,0 0 0,0 0 0,-1 0 0,1 0 0,0 0 0,0 0 0,0 0 0,0-1 0,0 1 0,0 0 0,0 0 0,-1 0 0,1 0 0,0 0 0,0 0 0,0 0 0,0 0 0,0 0 0,0-1 0,0 1 0,0 0 0,0 0 0,0 0 0,0 0 0,0 0 0,-1 0 0,1-1 0,0 1 0,0 0 0,0 0 0,0 0 0,0 0 0,0 0 0,0-1 0,0 1 0,0 0 0,0 0 0,0 0 0,1 0 0,-1 0 0,0 0 0,0-1 0,0 1 0,0 0 0,0 0 0,0 0 0,0 0 0,0 0 0,0 0 0,0-1 0,12-2 0,16 1 0,362 3 0,-3 32 0,-176-14 0,-238-22 0,-38 3 0,-34-3 0,-33-14 0,-148-40 0,78 14 0,-75-22 0,200 46 0,48 13 0,-41-15 0,64 19 0,0 0 0,-1 1 0,1-1 0,-1 2 0,1-1 0,-1 1 0,1-1 0,-1 2 0,1-1 0,-1 1 0,1 0 0,0 0 0,-1 1 0,1 0 0,-7 3 0,0-1 0,-141 28 0,123-21 0,24-8 0,0-1 0,1 0 0,-1 0 0,0 0 0,0-1 0,-1 0 0,-8 0 0,-9 0 0,0 1 0,0 1 0,-46 11 0,281-51 0,-209 37 0,62-6 0,107 5 0,16 0 0,114-6 0,-226 7 0,21-11 0,50 11-1365</inkml:trace>
-</inkml:ink>
 </file>
 
 <file path=ppt/slideLayouts/slideLayout1.xml><?xml version="1.0" encoding="utf-8"?>
@@ -3596,12 +3568,586 @@
           </a:prstGeom>
         </p:spPr>
       </p:pic>
+      <p:sp>
+        <p:nvSpPr>
+          <p:cNvPr id="12" name="ZoneTexte 11">
+            <a:extLst>
+              <a:ext uri="{FF2B5EF4-FFF2-40B4-BE49-F238E27FC236}">
+                <a16:creationId xmlns:a16="http://schemas.microsoft.com/office/drawing/2014/main" id="{6CBFBD4D-4341-46C4-96FE-0CBFE00047EA}"/>
+              </a:ext>
+            </a:extLst>
+          </p:cNvPr>
+          <p:cNvSpPr txBox="1"/>
+          <p:nvPr/>
+        </p:nvSpPr>
+        <p:spPr>
+          <a:xfrm>
+            <a:off x="4026877" y="578121"/>
+            <a:ext cx="4614277" cy="3724096"/>
+          </a:xfrm>
+          <a:prstGeom prst="rect">
+            <a:avLst/>
+          </a:prstGeom>
+          <a:noFill/>
+        </p:spPr>
+        <p:txBody>
+          <a:bodyPr wrap="square" rtlCol="0">
+            <a:spAutoFit/>
+          </a:bodyPr>
+          <a:lstStyle/>
+          <a:p>
+            <a:pPr algn="ctr"/>
+            <a:r>
+              <a:rPr lang="fr-FR" sz="1000" b="1" dirty="0" err="1">
+                <a:solidFill>
+                  <a:srgbClr val="0070C0"/>
+                </a:solidFill>
+              </a:rPr>
+              <a:t>Segtime</a:t>
+            </a:r>
+            <a:endParaRPr lang="fr-FR" sz="1000" b="1" dirty="0">
+              <a:solidFill>
+                <a:srgbClr val="0070C0"/>
+              </a:solidFill>
+            </a:endParaRPr>
+          </a:p>
+          <a:p>
+            <a:pPr algn="ctr"/>
+            <a:endParaRPr lang="fr-FR" sz="1000" b="1" dirty="0">
+              <a:solidFill>
+                <a:srgbClr val="0070C0"/>
+              </a:solidFill>
+            </a:endParaRPr>
+          </a:p>
+          <a:p>
+            <a:r>
+              <a:rPr lang="fr-FR" sz="800" dirty="0">
+                <a:solidFill>
+                  <a:srgbClr val="000000"/>
+                </a:solidFill>
+              </a:rPr>
+              <a:t>C</a:t>
+            </a:r>
+            <a:r>
+              <a:rPr lang="fr-FR" sz="800" b="0" i="0" u="none" strike="noStrike" dirty="0">
+                <a:solidFill>
+                  <a:srgbClr val="000000"/>
+                </a:solidFill>
+                <a:effectLst/>
+              </a:rPr>
+              <a:t>omposé de 5 modules organiser en </a:t>
+            </a:r>
+            <a:r>
+              <a:rPr lang="fr-FR" sz="800" b="0" i="0" u="none" strike="noStrike" dirty="0" err="1">
+                <a:solidFill>
+                  <a:srgbClr val="000000"/>
+                </a:solidFill>
+                <a:effectLst/>
+              </a:rPr>
+              <a:t>bi-passe</a:t>
+            </a:r>
+            <a:r>
+              <a:rPr lang="fr-FR" sz="800" b="0" i="0" u="none" strike="noStrike" dirty="0">
+                <a:solidFill>
+                  <a:srgbClr val="000000"/>
+                </a:solidFill>
+                <a:effectLst/>
+              </a:rPr>
+              <a:t>, c’est-à-dire que la séquence d'entrée passe à travers 2 chemin (indépendant), un MSS-LSTM d’un coté et un 1D-encoder-decoder, on concatène les sorties avant de passer l’étape finale de segmentation.</a:t>
+            </a:r>
+          </a:p>
+          <a:p>
+            <a:endParaRPr lang="fr-FR" sz="800" dirty="0">
+              <a:solidFill>
+                <a:srgbClr val="000000"/>
+              </a:solidFill>
+            </a:endParaRPr>
+          </a:p>
+          <a:p>
+            <a:pPr marL="171450" indent="-171450">
+              <a:buFont typeface="Arial" panose="020B0604020202020204" pitchFamily="34" charset="0"/>
+              <a:buChar char="•"/>
+            </a:pPr>
+            <a:r>
+              <a:rPr lang="fr-FR" sz="800" b="1" i="0" u="none" strike="noStrike" dirty="0">
+                <a:solidFill>
+                  <a:srgbClr val="000000"/>
+                </a:solidFill>
+                <a:effectLst/>
+              </a:rPr>
+              <a:t>MSS LSTM et </a:t>
+            </a:r>
+            <a:r>
+              <a:rPr lang="fr-FR" sz="800" b="1" i="0" u="none" strike="noStrike" dirty="0" err="1">
+                <a:solidFill>
+                  <a:srgbClr val="000000"/>
+                </a:solidFill>
+                <a:effectLst/>
+              </a:rPr>
+              <a:t>skipLSTM</a:t>
+            </a:r>
+            <a:endParaRPr lang="fr-FR" sz="800" b="1" dirty="0">
+              <a:solidFill>
+                <a:srgbClr val="000000"/>
+              </a:solidFill>
+            </a:endParaRPr>
+          </a:p>
+          <a:p>
+            <a:r>
+              <a:rPr lang="fr-FR" sz="800" dirty="0">
+                <a:solidFill>
+                  <a:srgbClr val="000000"/>
+                </a:solidFill>
+                <a:effectLst/>
+              </a:rPr>
+              <a:t>Skip-LSTM, on prend la séquence en entrée on passe la séquence dans le </a:t>
+            </a:r>
+            <a:r>
+              <a:rPr lang="fr-FR" sz="800" dirty="0" err="1">
+                <a:solidFill>
+                  <a:srgbClr val="000000"/>
+                </a:solidFill>
+                <a:effectLst/>
+              </a:rPr>
+              <a:t>lstm</a:t>
+            </a:r>
+            <a:r>
+              <a:rPr lang="fr-FR" sz="800" dirty="0">
+                <a:solidFill>
+                  <a:srgbClr val="000000"/>
+                </a:solidFill>
+                <a:effectLst/>
+              </a:rPr>
+              <a:t> avec un pas k. </a:t>
+            </a:r>
+            <a:r>
+              <a:rPr lang="fr-FR" sz="800" dirty="0">
+                <a:solidFill>
+                  <a:srgbClr val="000000"/>
+                </a:solidFill>
+              </a:rPr>
+              <a:t>MSS-LSTM, on empile plusieurs couche de skip-</a:t>
+            </a:r>
+            <a:r>
+              <a:rPr lang="fr-FR" sz="800" dirty="0" err="1">
+                <a:solidFill>
+                  <a:srgbClr val="000000"/>
+                </a:solidFill>
+              </a:rPr>
+              <a:t>lstm</a:t>
+            </a:r>
+            <a:r>
+              <a:rPr lang="fr-FR" sz="800" dirty="0">
+                <a:solidFill>
+                  <a:srgbClr val="000000"/>
+                </a:solidFill>
+              </a:rPr>
+              <a:t> avec des pas diffèrent, les </a:t>
+            </a:r>
+            <a:r>
+              <a:rPr lang="fr-FR" sz="800" dirty="0" err="1">
+                <a:solidFill>
+                  <a:srgbClr val="000000"/>
+                </a:solidFill>
+              </a:rPr>
+              <a:t>lstm</a:t>
+            </a:r>
+            <a:r>
+              <a:rPr lang="fr-FR" sz="800" dirty="0">
+                <a:solidFill>
+                  <a:srgbClr val="000000"/>
+                </a:solidFill>
+              </a:rPr>
+              <a:t> avec des pas petits captent les changement rapide et les </a:t>
+            </a:r>
+            <a:r>
+              <a:rPr lang="fr-FR" sz="800" dirty="0" err="1">
+                <a:solidFill>
+                  <a:srgbClr val="000000"/>
+                </a:solidFill>
+              </a:rPr>
+              <a:t>lstm</a:t>
+            </a:r>
+            <a:r>
+              <a:rPr lang="fr-FR" sz="800" dirty="0">
+                <a:solidFill>
+                  <a:srgbClr val="000000"/>
+                </a:solidFill>
+              </a:rPr>
+              <a:t> avec des grands pas captent les changement plus lent.</a:t>
+            </a:r>
+          </a:p>
+          <a:p>
+            <a:endParaRPr lang="fr-FR" sz="800" dirty="0">
+              <a:effectLst/>
+            </a:endParaRPr>
+          </a:p>
+          <a:p>
+            <a:pPr marL="171450" indent="-171450">
+              <a:buFont typeface="Arial" panose="020B0604020202020204" pitchFamily="34" charset="0"/>
+              <a:buChar char="•"/>
+            </a:pPr>
+            <a:r>
+              <a:rPr lang="fr-FR" sz="800" b="1" dirty="0"/>
+              <a:t>1D-encoder-decoder</a:t>
+            </a:r>
+          </a:p>
+          <a:p>
+            <a:pPr marL="628650" lvl="1" indent="-171450">
+              <a:buFont typeface="Arial" panose="020B0604020202020204" pitchFamily="34" charset="0"/>
+              <a:buChar char="•"/>
+            </a:pPr>
+            <a:r>
+              <a:rPr lang="fr-FR" sz="800" b="1" dirty="0"/>
+              <a:t>1D-DS-ResNet</a:t>
+            </a:r>
+          </a:p>
+          <a:p>
+            <a:pPr lvl="1"/>
+            <a:r>
+              <a:rPr lang="fr-FR" sz="800" dirty="0"/>
+              <a:t>Architecture en </a:t>
+            </a:r>
+            <a:r>
+              <a:rPr lang="fr-FR" sz="800" dirty="0" err="1"/>
+              <a:t>bottleneck</a:t>
+            </a:r>
+            <a:r>
+              <a:rPr lang="fr-FR" sz="800" dirty="0"/>
+              <a:t>, on réduit la taille de la séquence en augmentant le nombre de </a:t>
+            </a:r>
+            <a:r>
+              <a:rPr lang="fr-FR" sz="800" dirty="0" err="1"/>
+              <a:t>chanels</a:t>
+            </a:r>
+            <a:r>
+              <a:rPr lang="fr-FR" sz="800" dirty="0"/>
+              <a:t>. Besoin d’une architecture profonde pour les dépendances à long terme, et </a:t>
+            </a:r>
+            <a:r>
+              <a:rPr lang="fr-FR" sz="800" dirty="0" err="1"/>
+              <a:t>ResNet</a:t>
+            </a:r>
+            <a:r>
+              <a:rPr lang="fr-FR" sz="800" dirty="0"/>
+              <a:t> permet de minimiser le </a:t>
+            </a:r>
+            <a:r>
+              <a:rPr lang="fr-FR" sz="800" dirty="0" err="1"/>
+              <a:t>vanishing</a:t>
+            </a:r>
+            <a:r>
+              <a:rPr lang="fr-FR" sz="800" dirty="0"/>
+              <a:t> </a:t>
+            </a:r>
+            <a:r>
+              <a:rPr lang="fr-FR" sz="800" dirty="0" err="1"/>
+              <a:t>problem</a:t>
+            </a:r>
+            <a:r>
+              <a:rPr lang="fr-FR" sz="800" dirty="0"/>
+              <a:t>.</a:t>
+            </a:r>
+          </a:p>
+          <a:p>
+            <a:pPr marL="628650" lvl="1" indent="-171450">
+              <a:buFont typeface="Arial" panose="020B0604020202020204" pitchFamily="34" charset="0"/>
+              <a:buChar char="•"/>
+            </a:pPr>
+            <a:r>
+              <a:rPr lang="fr-FR" sz="800" b="1" dirty="0"/>
+              <a:t>AMSP (</a:t>
+            </a:r>
+            <a:r>
+              <a:rPr lang="fr-FR" sz="800" b="1" dirty="0" err="1"/>
+              <a:t>Atrous</a:t>
+            </a:r>
+            <a:r>
+              <a:rPr lang="fr-FR" sz="800" b="1" dirty="0"/>
+              <a:t> Multi-</a:t>
+            </a:r>
+            <a:r>
+              <a:rPr lang="fr-FR" sz="800" b="1" dirty="0" err="1"/>
+              <a:t>scale</a:t>
+            </a:r>
+            <a:r>
+              <a:rPr lang="fr-FR" sz="800" b="1" dirty="0"/>
+              <a:t> </a:t>
+            </a:r>
+            <a:r>
+              <a:rPr lang="fr-FR" sz="800" b="1" dirty="0" err="1"/>
+              <a:t>pooling</a:t>
+            </a:r>
+            <a:r>
+              <a:rPr lang="fr-FR" sz="800" b="1" dirty="0"/>
+              <a:t>)</a:t>
+            </a:r>
+          </a:p>
+          <a:p>
+            <a:pPr lvl="1"/>
+            <a:r>
+              <a:rPr lang="fr-FR" sz="800" b="0" i="0" u="none" strike="noStrike" dirty="0">
+                <a:solidFill>
+                  <a:srgbClr val="000000"/>
+                </a:solidFill>
+                <a:effectLst/>
+              </a:rPr>
+              <a:t>Même idée que skip-</a:t>
+            </a:r>
+            <a:r>
+              <a:rPr lang="fr-FR" sz="800" b="0" i="0" u="none" strike="noStrike" dirty="0" err="1">
+                <a:solidFill>
+                  <a:srgbClr val="000000"/>
+                </a:solidFill>
+                <a:effectLst/>
+              </a:rPr>
+              <a:t>lstm</a:t>
+            </a:r>
+            <a:r>
+              <a:rPr lang="fr-FR" sz="800" b="0" i="0" u="none" strike="noStrike" dirty="0">
+                <a:solidFill>
+                  <a:srgbClr val="000000"/>
+                </a:solidFill>
+                <a:effectLst/>
+              </a:rPr>
+              <a:t> on a plusieurs couches de </a:t>
+            </a:r>
+            <a:r>
+              <a:rPr lang="fr-FR" sz="800" b="0" i="0" u="none" strike="noStrike" dirty="0" err="1">
+                <a:solidFill>
+                  <a:srgbClr val="000000"/>
+                </a:solidFill>
+                <a:effectLst/>
+              </a:rPr>
+              <a:t>pooling</a:t>
+            </a:r>
+            <a:r>
+              <a:rPr lang="fr-FR" sz="800" b="0" i="0" u="none" strike="noStrike" dirty="0">
+                <a:solidFill>
+                  <a:srgbClr val="000000"/>
+                </a:solidFill>
+                <a:effectLst/>
+              </a:rPr>
+              <a:t> avec un pas de dilatation différent qui capte les changements fréquents pour les pas les plus petit et inversement pour les pas plus grand</a:t>
+            </a:r>
+            <a:endParaRPr lang="fr-FR" sz="800" b="1" dirty="0"/>
+          </a:p>
+          <a:p>
+            <a:pPr marL="628650" lvl="1" indent="-171450">
+              <a:buFont typeface="Arial" panose="020B0604020202020204" pitchFamily="34" charset="0"/>
+              <a:buChar char="•"/>
+            </a:pPr>
+            <a:r>
+              <a:rPr lang="fr-FR" sz="800" b="1" dirty="0" err="1"/>
+              <a:t>Decoder</a:t>
+            </a:r>
+            <a:endParaRPr lang="fr-FR" sz="800" b="1" dirty="0"/>
+          </a:p>
+          <a:p>
+            <a:pPr lvl="1"/>
+            <a:r>
+              <a:rPr lang="fr-FR" sz="800" b="0" i="0" u="none" strike="noStrike" dirty="0">
+                <a:solidFill>
+                  <a:srgbClr val="000000"/>
+                </a:solidFill>
+                <a:effectLst/>
+              </a:rPr>
+              <a:t>Le but est de </a:t>
+            </a:r>
+            <a:r>
+              <a:rPr lang="fr-FR" sz="800" b="0" i="0" u="none" strike="noStrike" dirty="0" err="1">
+                <a:solidFill>
+                  <a:srgbClr val="000000"/>
+                </a:solidFill>
+                <a:effectLst/>
+              </a:rPr>
+              <a:t>upsampler</a:t>
+            </a:r>
+            <a:r>
+              <a:rPr lang="fr-FR" sz="800" b="0" i="0" u="none" strike="noStrike" dirty="0">
+                <a:solidFill>
+                  <a:srgbClr val="000000"/>
+                </a:solidFill>
+                <a:effectLst/>
+              </a:rPr>
+              <a:t> pour revenir à la taille d’origine de la séquence dans l’idée de la segmenter, comme le fait U-Net il se sert de l’output d’une couche basse de l’encoder nommée </a:t>
+            </a:r>
+            <a:r>
+              <a:rPr lang="fr-FR" sz="800" b="0" i="0" u="none" strike="noStrike" dirty="0" err="1">
+                <a:solidFill>
+                  <a:srgbClr val="000000"/>
+                </a:solidFill>
+                <a:effectLst/>
+              </a:rPr>
+              <a:t>low-level</a:t>
+            </a:r>
+            <a:r>
+              <a:rPr lang="fr-FR" sz="800" b="0" i="0" u="none" strike="noStrike" dirty="0">
+                <a:solidFill>
+                  <a:srgbClr val="000000"/>
+                </a:solidFill>
+                <a:effectLst/>
+              </a:rPr>
+              <a:t> </a:t>
+            </a:r>
+            <a:r>
+              <a:rPr lang="fr-FR" sz="800" b="0" i="0" u="none" strike="noStrike" dirty="0" err="1">
+                <a:solidFill>
+                  <a:srgbClr val="000000"/>
+                </a:solidFill>
+                <a:effectLst/>
+              </a:rPr>
+              <a:t>features</a:t>
+            </a:r>
+            <a:r>
+              <a:rPr lang="fr-FR" sz="800" b="0" i="0" u="none" strike="noStrike" dirty="0">
+                <a:solidFill>
+                  <a:srgbClr val="000000"/>
+                </a:solidFill>
+                <a:effectLst/>
+              </a:rPr>
+              <a:t> ainsi que la sortie du AMSP pour </a:t>
+            </a:r>
+            <a:r>
+              <a:rPr lang="fr-FR" sz="800" b="0" i="0" u="none" strike="noStrike" dirty="0" err="1">
+                <a:solidFill>
+                  <a:srgbClr val="000000"/>
+                </a:solidFill>
+                <a:effectLst/>
+              </a:rPr>
+              <a:t>upsampler</a:t>
+            </a:r>
+            <a:r>
+              <a:rPr lang="fr-FR" sz="800" b="0" i="0" u="none" strike="noStrike" dirty="0">
+                <a:solidFill>
+                  <a:srgbClr val="000000"/>
+                </a:solidFill>
+                <a:effectLst/>
+              </a:rPr>
+              <a:t>.</a:t>
+            </a:r>
+          </a:p>
+          <a:p>
+            <a:pPr lvl="1"/>
+            <a:endParaRPr lang="fr-FR" sz="800" b="1" i="0" u="none" strike="noStrike" dirty="0">
+              <a:solidFill>
+                <a:srgbClr val="000000"/>
+              </a:solidFill>
+              <a:effectLst/>
+            </a:endParaRPr>
+          </a:p>
+          <a:p>
+            <a:pPr marL="171450" indent="-171450">
+              <a:buFont typeface="Arial" panose="020B0604020202020204" pitchFamily="34" charset="0"/>
+              <a:buChar char="•"/>
+            </a:pPr>
+            <a:r>
+              <a:rPr lang="fr-FR" sz="800" b="1" dirty="0" err="1">
+                <a:solidFill>
+                  <a:srgbClr val="000000"/>
+                </a:solidFill>
+              </a:rPr>
+              <a:t>Stepwise</a:t>
+            </a:r>
+            <a:r>
+              <a:rPr lang="fr-FR" sz="800" b="1" dirty="0">
+                <a:solidFill>
+                  <a:srgbClr val="000000"/>
+                </a:solidFill>
+              </a:rPr>
+              <a:t> segmentation</a:t>
+            </a:r>
+          </a:p>
+          <a:p>
+            <a:r>
+              <a:rPr lang="fr-FR" sz="800" dirty="0">
+                <a:solidFill>
+                  <a:srgbClr val="000000"/>
+                </a:solidFill>
+              </a:rPr>
+              <a:t>C’est l’étape de classification, on a une convolution 1D qui ramène les filtres dans la dimension du nombre de classe. </a:t>
+            </a:r>
+            <a:r>
+              <a:rPr lang="fr-FR" sz="800" dirty="0" err="1">
+                <a:solidFill>
+                  <a:srgbClr val="000000"/>
+                </a:solidFill>
+              </a:rPr>
+              <a:t>Averagepool</a:t>
+            </a:r>
+            <a:r>
+              <a:rPr lang="fr-FR" sz="800" dirty="0">
+                <a:solidFill>
+                  <a:srgbClr val="000000"/>
+                </a:solidFill>
+              </a:rPr>
+              <a:t> permet de lisser les étiquettes, la fenêtre de l’</a:t>
+            </a:r>
+            <a:r>
+              <a:rPr lang="fr-FR" sz="800" dirty="0" err="1">
+                <a:solidFill>
+                  <a:srgbClr val="000000"/>
+                </a:solidFill>
+              </a:rPr>
+              <a:t>avergepooling</a:t>
+            </a:r>
+            <a:r>
+              <a:rPr lang="fr-FR" sz="800" dirty="0">
+                <a:solidFill>
+                  <a:srgbClr val="000000"/>
+                </a:solidFill>
+              </a:rPr>
+              <a:t> dépends aussi des fréquences de changements.</a:t>
+            </a:r>
+          </a:p>
+        </p:txBody>
+      </p:sp>
+      <p:sp>
+        <p:nvSpPr>
+          <p:cNvPr id="18" name="ZoneTexte 17">
+            <a:extLst>
+              <a:ext uri="{FF2B5EF4-FFF2-40B4-BE49-F238E27FC236}">
+                <a16:creationId xmlns:a16="http://schemas.microsoft.com/office/drawing/2014/main" id="{AC63D476-9AE2-4F2D-B985-3224DAA1C88E}"/>
+              </a:ext>
+            </a:extLst>
+          </p:cNvPr>
+          <p:cNvSpPr txBox="1"/>
+          <p:nvPr/>
+        </p:nvSpPr>
+        <p:spPr>
+          <a:xfrm>
+            <a:off x="9571434" y="584806"/>
+            <a:ext cx="2031133" cy="246221"/>
+          </a:xfrm>
+          <a:prstGeom prst="rect">
+            <a:avLst/>
+          </a:prstGeom>
+          <a:noFill/>
+        </p:spPr>
+        <p:txBody>
+          <a:bodyPr wrap="square" rtlCol="0">
+            <a:spAutoFit/>
+          </a:bodyPr>
+          <a:lstStyle/>
+          <a:p>
+            <a:pPr algn="ctr"/>
+            <a:r>
+              <a:rPr lang="fr-FR" sz="1000" b="1" dirty="0">
+                <a:solidFill>
+                  <a:srgbClr val="0070C0"/>
+                </a:solidFill>
+              </a:rPr>
+              <a:t>Jeu de données et Evaluation</a:t>
+            </a:r>
+          </a:p>
+        </p:txBody>
+      </p:sp>
       <p:pic>
         <p:nvPicPr>
-          <p:cNvPr id="11" name="Image 10">
-            <a:extLst>
-              <a:ext uri="{FF2B5EF4-FFF2-40B4-BE49-F238E27FC236}">
-                <a16:creationId xmlns:a16="http://schemas.microsoft.com/office/drawing/2014/main" id="{EB9270B3-128E-4B77-98CE-6950B9BE20B9}"/>
+          <p:cNvPr id="20" name="Image 19">
+            <a:extLst>
+              <a:ext uri="{FF2B5EF4-FFF2-40B4-BE49-F238E27FC236}">
+                <a16:creationId xmlns:a16="http://schemas.microsoft.com/office/drawing/2014/main" id="{036A4D1F-F5D3-4863-8C2A-50DBDFCEBF95}"/>
               </a:ext>
             </a:extLst>
           </p:cNvPr>
@@ -3618,8 +4164,8 @@
         </p:blipFill>
         <p:spPr>
           <a:xfrm>
-            <a:off x="4909162" y="1769307"/>
-            <a:ext cx="3143633" cy="1487387"/>
+            <a:off x="9097760" y="1972411"/>
+            <a:ext cx="2948951" cy="1457194"/>
           </a:xfrm>
           <a:prstGeom prst="rect">
             <a:avLst/>
@@ -3628,10 +4174,10 @@
       </p:pic>
       <p:sp>
         <p:nvSpPr>
-          <p:cNvPr id="12" name="ZoneTexte 11">
-            <a:extLst>
-              <a:ext uri="{FF2B5EF4-FFF2-40B4-BE49-F238E27FC236}">
-                <a16:creationId xmlns:a16="http://schemas.microsoft.com/office/drawing/2014/main" id="{6CBFBD4D-4341-46C4-96FE-0CBFE00047EA}"/>
+          <p:cNvPr id="21" name="ZoneTexte 20">
+            <a:extLst>
+              <a:ext uri="{FF2B5EF4-FFF2-40B4-BE49-F238E27FC236}">
+                <a16:creationId xmlns:a16="http://schemas.microsoft.com/office/drawing/2014/main" id="{5C5620EB-E1FB-4E45-83EF-E2FC864C861D}"/>
               </a:ext>
             </a:extLst>
           </p:cNvPr>
@@ -3640,8 +4186,8 @@
         </p:nvSpPr>
         <p:spPr>
           <a:xfrm>
-            <a:off x="4026877" y="578121"/>
-            <a:ext cx="4614277" cy="1231106"/>
+            <a:off x="9229365" y="1719681"/>
+            <a:ext cx="2534350" cy="246221"/>
           </a:xfrm>
           <a:prstGeom prst="rect">
             <a:avLst/>
@@ -3656,129 +4202,22 @@
           <a:p>
             <a:pPr algn="ctr"/>
             <a:r>
-              <a:rPr lang="fr-FR" sz="1000" b="1" dirty="0" err="1">
+              <a:rPr lang="fr-FR" sz="1000" b="1" dirty="0">
                 <a:solidFill>
                   <a:srgbClr val="0070C0"/>
                 </a:solidFill>
               </a:rPr>
-              <a:t>Segtime</a:t>
-            </a:r>
-            <a:endParaRPr lang="fr-FR" sz="1000" b="1" dirty="0">
-              <a:solidFill>
-                <a:srgbClr val="0070C0"/>
-              </a:solidFill>
-            </a:endParaRPr>
-          </a:p>
-          <a:p>
-            <a:pPr algn="ctr"/>
-            <a:endParaRPr lang="fr-FR" sz="800" dirty="0"/>
-          </a:p>
-          <a:p>
-            <a:r>
-              <a:rPr lang="fr-FR" sz="800" dirty="0" err="1"/>
-              <a:t>SegTime</a:t>
-            </a:r>
-            <a:r>
-              <a:rPr lang="fr-FR" sz="800" dirty="0"/>
-              <a:t> se compose de </a:t>
-            </a:r>
-            <a:r>
-              <a:rPr lang="fr-FR" sz="800" b="1" dirty="0"/>
-              <a:t>cinq modules </a:t>
-            </a:r>
-            <a:r>
-              <a:rPr lang="fr-FR" sz="800" dirty="0"/>
-              <a:t>et ils sont organisés dans une architecture </a:t>
-            </a:r>
-            <a:r>
-              <a:rPr lang="fr-FR" sz="800" dirty="0" err="1"/>
-              <a:t>bi-passe</a:t>
-            </a:r>
-            <a:r>
-              <a:rPr lang="fr-FR" sz="800" dirty="0"/>
-              <a:t> (Figure 2a). La séquence d'entrée passe par deux passages : un réseau MSSLSTM (Multi-</a:t>
-            </a:r>
-            <a:r>
-              <a:rPr lang="fr-FR" sz="800" dirty="0" err="1"/>
-              <a:t>scale</a:t>
-            </a:r>
-            <a:r>
-              <a:rPr lang="fr-FR" sz="800" dirty="0"/>
-              <a:t> skip LSTM) et un module décodeur encodeur 1D. Ce dernier est constitué de trois sous-modules : un 1D-DS-ResNet (</a:t>
-            </a:r>
-            <a:r>
-              <a:rPr lang="fr-FR" sz="800" dirty="0" err="1"/>
-              <a:t>depth</a:t>
-            </a:r>
-            <a:r>
-              <a:rPr lang="fr-FR" sz="800" dirty="0"/>
-              <a:t> </a:t>
-            </a:r>
-            <a:r>
-              <a:rPr lang="fr-FR" sz="800" dirty="0" err="1"/>
-              <a:t>wise</a:t>
-            </a:r>
-            <a:r>
-              <a:rPr lang="fr-FR" sz="800" dirty="0"/>
-              <a:t> </a:t>
-            </a:r>
-            <a:r>
-              <a:rPr lang="fr-FR" sz="800" dirty="0" err="1"/>
-              <a:t>separable</a:t>
-            </a:r>
-            <a:r>
-              <a:rPr lang="fr-FR" sz="800" dirty="0"/>
-              <a:t>), un AMSP (</a:t>
-            </a:r>
-            <a:r>
-              <a:rPr lang="fr-FR" sz="800" dirty="0" err="1"/>
-              <a:t>atrous</a:t>
-            </a:r>
-            <a:r>
-              <a:rPr lang="fr-FR" sz="800" dirty="0"/>
-              <a:t> multi-</a:t>
-            </a:r>
-            <a:r>
-              <a:rPr lang="fr-FR" sz="800" dirty="0" err="1"/>
-              <a:t>scale</a:t>
-            </a:r>
-            <a:r>
-              <a:rPr lang="fr-FR" sz="800" dirty="0"/>
-              <a:t> </a:t>
-            </a:r>
-            <a:r>
-              <a:rPr lang="fr-FR" sz="800" dirty="0" err="1"/>
-              <a:t>pooling</a:t>
-            </a:r>
-            <a:r>
-              <a:rPr lang="fr-FR" sz="800" dirty="0"/>
-              <a:t>) (ces deux-là forment l'encodeur), et le décodeur. Les sorties du module encodeur-décodeur et du réseau MSS-LSTM sont ensuite concaténées. Elles passent ensuite par le module de </a:t>
-            </a:r>
-            <a:r>
-              <a:rPr lang="fr-FR" sz="800" b="1" dirty="0"/>
-              <a:t>segmentation par étapes</a:t>
-            </a:r>
-            <a:r>
-              <a:rPr lang="fr-FR" sz="800" dirty="0"/>
-              <a:t>, qui peut prédire les étiquettes de sortie au niveau des étapes, réalisant ainsi une </a:t>
-            </a:r>
-            <a:r>
-              <a:rPr lang="fr-FR" sz="800" b="1" dirty="0"/>
-              <a:t>segmentation précise </a:t>
-            </a:r>
-            <a:r>
-              <a:rPr lang="fr-FR" sz="800" dirty="0"/>
-              <a:t>des séries temporelles.</a:t>
+              <a:t>Résultat sur Opportunity Drill</a:t>
             </a:r>
           </a:p>
         </p:txBody>
       </p:sp>
       <p:pic>
         <p:nvPicPr>
-          <p:cNvPr id="14" name="Image 13">
-            <a:extLst>
-              <a:ext uri="{FF2B5EF4-FFF2-40B4-BE49-F238E27FC236}">
-                <a16:creationId xmlns:a16="http://schemas.microsoft.com/office/drawing/2014/main" id="{7053802C-E593-42BE-873B-406C34C2BC8A}"/>
+          <p:cNvPr id="23" name="Image 22">
+            <a:extLst>
+              <a:ext uri="{FF2B5EF4-FFF2-40B4-BE49-F238E27FC236}">
+                <a16:creationId xmlns:a16="http://schemas.microsoft.com/office/drawing/2014/main" id="{E5A60A3B-9E8F-46EF-9784-49A5AAF7E755}"/>
               </a:ext>
             </a:extLst>
           </p:cNvPr>
@@ -3795,8 +4234,8 @@
         </p:blipFill>
         <p:spPr>
           <a:xfrm>
-            <a:off x="5002895" y="4711099"/>
-            <a:ext cx="3243118" cy="2129648"/>
+            <a:off x="9132783" y="4417804"/>
+            <a:ext cx="2948951" cy="1532152"/>
           </a:xfrm>
           <a:prstGeom prst="rect">
             <a:avLst/>
@@ -3805,10 +4244,10 @@
       </p:pic>
       <p:sp>
         <p:nvSpPr>
-          <p:cNvPr id="15" name="ZoneTexte 14">
-            <a:extLst>
-              <a:ext uri="{FF2B5EF4-FFF2-40B4-BE49-F238E27FC236}">
-                <a16:creationId xmlns:a16="http://schemas.microsoft.com/office/drawing/2014/main" id="{023117B3-BC27-4CED-84B0-93DBA5B782B3}"/>
+          <p:cNvPr id="24" name="ZoneTexte 23">
+            <a:extLst>
+              <a:ext uri="{FF2B5EF4-FFF2-40B4-BE49-F238E27FC236}">
+                <a16:creationId xmlns:a16="http://schemas.microsoft.com/office/drawing/2014/main" id="{424A91A8-2080-4AFD-9B17-4A1D98A051B6}"/>
               </a:ext>
             </a:extLst>
           </p:cNvPr>
@@ -3817,8 +4256,8 @@
         </p:nvSpPr>
         <p:spPr>
           <a:xfrm>
-            <a:off x="3995851" y="3233770"/>
-            <a:ext cx="5116218" cy="1477328"/>
+            <a:off x="9129226" y="4179106"/>
+            <a:ext cx="2687002" cy="246221"/>
           </a:xfrm>
           <a:prstGeom prst="rect">
             <a:avLst/>
@@ -3838,123 +4277,33 @@
                   <a:srgbClr val="0070C0"/>
                 </a:solidFill>
               </a:rPr>
-              <a:t>Encodeur-Décodeur</a:t>
-            </a:r>
-          </a:p>
-          <a:p>
-            <a:pPr algn="ctr"/>
-            <a:endParaRPr lang="fr-FR" sz="800" dirty="0"/>
-          </a:p>
-          <a:p>
-            <a:r>
-              <a:rPr lang="fr-FR" sz="800" dirty="0"/>
-              <a:t>La structure </a:t>
-            </a:r>
-            <a:r>
-              <a:rPr lang="fr-FR" sz="800" b="1" dirty="0"/>
-              <a:t>encodeur-décodeur</a:t>
-            </a:r>
-            <a:r>
-              <a:rPr lang="fr-FR" sz="800" dirty="0"/>
-              <a:t> (</a:t>
-            </a:r>
-            <a:r>
-              <a:rPr lang="fr-FR" sz="800" dirty="0" err="1"/>
-              <a:t>Sutskever</a:t>
-            </a:r>
-            <a:r>
-              <a:rPr lang="fr-FR" sz="800" dirty="0"/>
-              <a:t> et al., 2014) est une approche éprouvée dans divers domaines et connaît un grand succès dans la segmentation sémantique du problème 2D. Les auteurs adoptent un </a:t>
-            </a:r>
-            <a:r>
-              <a:rPr lang="fr-FR" sz="800" b="1" dirty="0"/>
-              <a:t>encodeur-décodeur 1D </a:t>
-            </a:r>
-            <a:r>
-              <a:rPr lang="fr-FR" sz="800" dirty="0"/>
-              <a:t>(figure 3) avec le </a:t>
-            </a:r>
-            <a:r>
-              <a:rPr lang="fr-FR" sz="800" b="1" dirty="0"/>
-              <a:t>1D-DS-ResNet</a:t>
-            </a:r>
-            <a:r>
-              <a:rPr lang="fr-FR" sz="800" dirty="0"/>
-              <a:t> et l</a:t>
-            </a:r>
-            <a:r>
-              <a:rPr lang="fr-FR" sz="800" b="1" dirty="0"/>
-              <a:t>'AMSP</a:t>
-            </a:r>
-            <a:r>
-              <a:rPr lang="fr-FR" sz="800" dirty="0"/>
-              <a:t> comme encodeur et deux couches convolutives comme décodeur (inspiré de Chen et al. (2018)). De l'encodeur, deux niveaux de caractéristiques sortent vers le décodeur : (1) les caractéristiques de bas niveau provenant des premières couches de 1D-DS </a:t>
-            </a:r>
-            <a:r>
-              <a:rPr lang="fr-FR" sz="800" dirty="0" err="1"/>
-              <a:t>ResNet</a:t>
-            </a:r>
-            <a:r>
-              <a:rPr lang="fr-FR" sz="800" dirty="0"/>
-              <a:t> ; (2) les caractéristiques de sortie après l'AMSP. Ces deux niveaux de caractéristiques exploitent l'information multi-échelle et contribuent ainsi à la propriété de </a:t>
-            </a:r>
-            <a:r>
-              <a:rPr lang="fr-FR" sz="800" dirty="0" err="1"/>
-              <a:t>SegTime</a:t>
-            </a:r>
-            <a:r>
-              <a:rPr lang="fr-FR" sz="800" dirty="0"/>
-              <a:t> de traiter les fréquences multi-échelles des données. Notez que l'encodeur a une architecture très profonde (en 1D-DS-ResNet) alors que le décodeur n'a que quelques couches. Ceci est dû au fait que cette structure peut apprendre la représentation de manière efficace et les comprimer dans une couche goulot d'étranglement.</a:t>
-            </a:r>
-          </a:p>
-        </p:txBody>
-      </p:sp>
-      <p:sp>
-        <p:nvSpPr>
-          <p:cNvPr id="18" name="ZoneTexte 17">
-            <a:extLst>
-              <a:ext uri="{FF2B5EF4-FFF2-40B4-BE49-F238E27FC236}">
-                <a16:creationId xmlns:a16="http://schemas.microsoft.com/office/drawing/2014/main" id="{AC63D476-9AE2-4F2D-B985-3224DAA1C88E}"/>
-              </a:ext>
-            </a:extLst>
-          </p:cNvPr>
-          <p:cNvSpPr txBox="1"/>
-          <p:nvPr/>
-        </p:nvSpPr>
-        <p:spPr>
-          <a:xfrm>
-            <a:off x="9571434" y="584806"/>
-            <a:ext cx="2031133" cy="246221"/>
-          </a:xfrm>
-          <a:prstGeom prst="rect">
-            <a:avLst/>
-          </a:prstGeom>
-          <a:noFill/>
-        </p:spPr>
-        <p:txBody>
-          <a:bodyPr wrap="square" rtlCol="0">
-            <a:spAutoFit/>
-          </a:bodyPr>
-          <a:lstStyle/>
-          <a:p>
-            <a:pPr algn="ctr"/>
+              <a:t>Résultat sur </a:t>
+            </a:r>
+            <a:r>
+              <a:rPr lang="fr-FR" sz="1000" b="1" dirty="0" err="1">
+                <a:solidFill>
+                  <a:srgbClr val="0070C0"/>
+                </a:solidFill>
+              </a:rPr>
+              <a:t>Sleep</a:t>
+            </a:r>
             <a:r>
               <a:rPr lang="fr-FR" sz="1000" b="1" dirty="0">
                 <a:solidFill>
                   <a:srgbClr val="0070C0"/>
                 </a:solidFill>
               </a:rPr>
-              <a:t>Jeu de données et Evaluation</a:t>
+              <a:t>-Edf</a:t>
             </a:r>
           </a:p>
         </p:txBody>
       </p:sp>
       <p:pic>
         <p:nvPicPr>
-          <p:cNvPr id="20" name="Image 19">
-            <a:extLst>
-              <a:ext uri="{FF2B5EF4-FFF2-40B4-BE49-F238E27FC236}">
-                <a16:creationId xmlns:a16="http://schemas.microsoft.com/office/drawing/2014/main" id="{036A4D1F-F5D3-4863-8C2A-50DBDFCEBF95}"/>
+          <p:cNvPr id="26" name="Image 25">
+            <a:extLst>
+              <a:ext uri="{FF2B5EF4-FFF2-40B4-BE49-F238E27FC236}">
+                <a16:creationId xmlns:a16="http://schemas.microsoft.com/office/drawing/2014/main" id="{83ACD93E-08D6-4812-9553-A858072D68EE}"/>
               </a:ext>
             </a:extLst>
           </p:cNvPr>
@@ -3971,8 +4320,8 @@
         </p:blipFill>
         <p:spPr>
           <a:xfrm>
-            <a:off x="9112526" y="2295491"/>
-            <a:ext cx="2948951" cy="1457194"/>
+            <a:off x="9112527" y="887985"/>
+            <a:ext cx="2727514" cy="771385"/>
           </a:xfrm>
           <a:prstGeom prst="rect">
             <a:avLst/>
@@ -3981,10 +4330,10 @@
       </p:pic>
       <p:sp>
         <p:nvSpPr>
-          <p:cNvPr id="21" name="ZoneTexte 20">
-            <a:extLst>
-              <a:ext uri="{FF2B5EF4-FFF2-40B4-BE49-F238E27FC236}">
-                <a16:creationId xmlns:a16="http://schemas.microsoft.com/office/drawing/2014/main" id="{5C5620EB-E1FB-4E45-83EF-E2FC864C861D}"/>
+          <p:cNvPr id="27" name="ZoneTexte 26">
+            <a:extLst>
+              <a:ext uri="{FF2B5EF4-FFF2-40B4-BE49-F238E27FC236}">
+                <a16:creationId xmlns:a16="http://schemas.microsoft.com/office/drawing/2014/main" id="{D0A23C29-2959-4623-AA7E-AB1CE6A7070D}"/>
               </a:ext>
             </a:extLst>
           </p:cNvPr>
@@ -3993,163 +4342,7 @@
         </p:nvSpPr>
         <p:spPr>
           <a:xfrm>
-            <a:off x="9291068" y="1980530"/>
-            <a:ext cx="2534350" cy="246221"/>
-          </a:xfrm>
-          <a:prstGeom prst="rect">
-            <a:avLst/>
-          </a:prstGeom>
-          <a:noFill/>
-        </p:spPr>
-        <p:txBody>
-          <a:bodyPr wrap="square" rtlCol="0">
-            <a:spAutoFit/>
-          </a:bodyPr>
-          <a:lstStyle/>
-          <a:p>
-            <a:pPr algn="ctr"/>
-            <a:r>
-              <a:rPr lang="fr-FR" sz="1000" b="1" dirty="0">
-                <a:solidFill>
-                  <a:srgbClr val="0070C0"/>
-                </a:solidFill>
-              </a:rPr>
-              <a:t>Résultat sur Opportunity Drill</a:t>
-            </a:r>
-          </a:p>
-        </p:txBody>
-      </p:sp>
-      <p:pic>
-        <p:nvPicPr>
-          <p:cNvPr id="23" name="Image 22">
-            <a:extLst>
-              <a:ext uri="{FF2B5EF4-FFF2-40B4-BE49-F238E27FC236}">
-                <a16:creationId xmlns:a16="http://schemas.microsoft.com/office/drawing/2014/main" id="{E5A60A3B-9E8F-46EF-9784-49A5AAF7E755}"/>
-              </a:ext>
-            </a:extLst>
-          </p:cNvPr>
-          <p:cNvPicPr>
-            <a:picLocks noChangeAspect="1"/>
-          </p:cNvPicPr>
-          <p:nvPr/>
-        </p:nvPicPr>
-        <p:blipFill>
-          <a:blip r:embed="rId6"/>
-          <a:stretch>
-            <a:fillRect/>
-          </a:stretch>
-        </p:blipFill>
-        <p:spPr>
-          <a:xfrm>
-            <a:off x="9135467" y="4226745"/>
-            <a:ext cx="2948951" cy="1532152"/>
-          </a:xfrm>
-          <a:prstGeom prst="rect">
-            <a:avLst/>
-          </a:prstGeom>
-        </p:spPr>
-      </p:pic>
-      <p:sp>
-        <p:nvSpPr>
-          <p:cNvPr id="24" name="ZoneTexte 23">
-            <a:extLst>
-              <a:ext uri="{FF2B5EF4-FFF2-40B4-BE49-F238E27FC236}">
-                <a16:creationId xmlns:a16="http://schemas.microsoft.com/office/drawing/2014/main" id="{424A91A8-2080-4AFD-9B17-4A1D98A051B6}"/>
-              </a:ext>
-            </a:extLst>
-          </p:cNvPr>
-          <p:cNvSpPr txBox="1"/>
-          <p:nvPr/>
-        </p:nvSpPr>
-        <p:spPr>
-          <a:xfrm>
-            <a:off x="9193551" y="3944196"/>
-            <a:ext cx="2687002" cy="246221"/>
-          </a:xfrm>
-          <a:prstGeom prst="rect">
-            <a:avLst/>
-          </a:prstGeom>
-          <a:noFill/>
-        </p:spPr>
-        <p:txBody>
-          <a:bodyPr wrap="square" rtlCol="0">
-            <a:spAutoFit/>
-          </a:bodyPr>
-          <a:lstStyle/>
-          <a:p>
-            <a:pPr algn="ctr"/>
-            <a:r>
-              <a:rPr lang="fr-FR" sz="1000" b="1" dirty="0">
-                <a:solidFill>
-                  <a:srgbClr val="0070C0"/>
-                </a:solidFill>
-              </a:rPr>
-              <a:t>Résultat sur </a:t>
-            </a:r>
-            <a:r>
-              <a:rPr lang="fr-FR" sz="1000" b="1" dirty="0" err="1">
-                <a:solidFill>
-                  <a:srgbClr val="0070C0"/>
-                </a:solidFill>
-              </a:rPr>
-              <a:t>Sleep</a:t>
-            </a:r>
-            <a:r>
-              <a:rPr lang="fr-FR" sz="1000" b="1" dirty="0">
-                <a:solidFill>
-                  <a:srgbClr val="0070C0"/>
-                </a:solidFill>
-              </a:rPr>
-              <a:t>-Edf</a:t>
-            </a:r>
-          </a:p>
-        </p:txBody>
-      </p:sp>
-      <p:pic>
-        <p:nvPicPr>
-          <p:cNvPr id="26" name="Image 25">
-            <a:extLst>
-              <a:ext uri="{FF2B5EF4-FFF2-40B4-BE49-F238E27FC236}">
-                <a16:creationId xmlns:a16="http://schemas.microsoft.com/office/drawing/2014/main" id="{83ACD93E-08D6-4812-9553-A858072D68EE}"/>
-              </a:ext>
-            </a:extLst>
-          </p:cNvPr>
-          <p:cNvPicPr>
-            <a:picLocks noChangeAspect="1"/>
-          </p:cNvPicPr>
-          <p:nvPr/>
-        </p:nvPicPr>
-        <p:blipFill>
-          <a:blip r:embed="rId7"/>
-          <a:stretch>
-            <a:fillRect/>
-          </a:stretch>
-        </p:blipFill>
-        <p:spPr>
-          <a:xfrm>
-            <a:off x="9112527" y="904331"/>
-            <a:ext cx="2768026" cy="782842"/>
-          </a:xfrm>
-          <a:prstGeom prst="rect">
-            <a:avLst/>
-          </a:prstGeom>
-        </p:spPr>
-      </p:pic>
-      <p:sp>
-        <p:nvSpPr>
-          <p:cNvPr id="27" name="ZoneTexte 26">
-            <a:extLst>
-              <a:ext uri="{FF2B5EF4-FFF2-40B4-BE49-F238E27FC236}">
-                <a16:creationId xmlns:a16="http://schemas.microsoft.com/office/drawing/2014/main" id="{D0A23C29-2959-4623-AA7E-AB1CE6A7070D}"/>
-              </a:ext>
-            </a:extLst>
-          </p:cNvPr>
-          <p:cNvSpPr txBox="1"/>
-          <p:nvPr/>
-        </p:nvSpPr>
-        <p:spPr>
-          <a:xfrm>
-            <a:off x="9112526" y="5795225"/>
+            <a:off x="9112526" y="5873115"/>
             <a:ext cx="2948951" cy="984885"/>
           </a:xfrm>
           <a:prstGeom prst="rect">
@@ -4266,7 +4459,7 @@
           <p:nvPr/>
         </p:nvPicPr>
         <p:blipFill>
-          <a:blip r:embed="rId8">
+          <a:blip r:embed="rId6">
             <a:extLst>
               <a:ext uri="{28A0092B-C50C-407E-A947-70E740481C1C}">
                 <a14:useLocalDpi xmlns:a14="http://schemas.microsoft.com/office/drawing/2010/main" val="0"/>
@@ -4438,52 +4631,6 @@
       </p:cxnSp>
       <p:cxnSp>
         <p:nvCxnSpPr>
-          <p:cNvPr id="33" name="Connecteur droit 32">
-            <a:extLst>
-              <a:ext uri="{FF2B5EF4-FFF2-40B4-BE49-F238E27FC236}">
-                <a16:creationId xmlns:a16="http://schemas.microsoft.com/office/drawing/2014/main" id="{1BA15AF5-BC59-4705-A870-B5614B99FFF0}"/>
-              </a:ext>
-            </a:extLst>
-          </p:cNvPr>
-          <p:cNvCxnSpPr>
-            <a:cxnSpLocks/>
-          </p:cNvCxnSpPr>
-          <p:nvPr/>
-        </p:nvCxnSpPr>
-        <p:spPr>
-          <a:xfrm>
-            <a:off x="4026877" y="3504955"/>
-            <a:ext cx="4812323" cy="0"/>
-          </a:xfrm>
-          <a:prstGeom prst="line">
-            <a:avLst/>
-          </a:prstGeom>
-          <a:ln>
-            <a:solidFill>
-              <a:schemeClr val="accent1"/>
-            </a:solidFill>
-          </a:ln>
-          <a:effectLst>
-            <a:reflection blurRad="6350" stA="50000" endA="300" endPos="90000" dir="5400000" sy="-100000" algn="bl" rotWithShape="0"/>
-          </a:effectLst>
-        </p:spPr>
-        <p:style>
-          <a:lnRef idx="3">
-            <a:schemeClr val="dk1"/>
-          </a:lnRef>
-          <a:fillRef idx="0">
-            <a:schemeClr val="dk1"/>
-          </a:fillRef>
-          <a:effectRef idx="2">
-            <a:schemeClr val="dk1"/>
-          </a:effectRef>
-          <a:fontRef idx="minor">
-            <a:schemeClr val="tx1"/>
-          </a:fontRef>
-        </p:style>
-      </p:cxnSp>
-      <p:cxnSp>
-        <p:nvCxnSpPr>
           <p:cNvPr id="43" name="Connecteur droit 42">
             <a:extLst>
               <a:ext uri="{FF2B5EF4-FFF2-40B4-BE49-F238E27FC236}">
@@ -4544,8 +4691,8 @@
         </p:nvCxnSpPr>
         <p:spPr>
           <a:xfrm>
-            <a:off x="9112526" y="2226751"/>
-            <a:ext cx="2878583" cy="0"/>
+            <a:off x="9097760" y="1965902"/>
+            <a:ext cx="2913766" cy="0"/>
           </a:xfrm>
           <a:prstGeom prst="line">
             <a:avLst/>
@@ -4590,8 +4737,8 @@
         </p:nvCxnSpPr>
         <p:spPr>
           <a:xfrm>
-            <a:off x="9227127" y="4155200"/>
-            <a:ext cx="2834350" cy="0"/>
+            <a:off x="9097760" y="4404722"/>
+            <a:ext cx="2913766" cy="0"/>
           </a:xfrm>
           <a:prstGeom prst="line">
             <a:avLst/>
@@ -4636,7 +4783,7 @@
         </p:nvCxnSpPr>
         <p:spPr>
           <a:xfrm>
-            <a:off x="9193551" y="6029305"/>
+            <a:off x="9170610" y="6088028"/>
             <a:ext cx="2890867" cy="0"/>
           </a:xfrm>
           <a:prstGeom prst="line">
@@ -4666,57 +4813,78 @@
           </a:fontRef>
         </p:style>
       </p:cxnSp>
-      <mc:AlternateContent xmlns:mc="http://schemas.openxmlformats.org/markup-compatibility/2006" xmlns:p14="http://schemas.microsoft.com/office/powerpoint/2010/main">
-        <mc:Choice Requires="p14">
-          <p:contentPart p14:bwMode="auto" r:id="rId9">
-            <p14:nvContentPartPr>
-              <p14:cNvPr id="2" name="Encre 1">
-                <a:extLst>
-                  <a:ext uri="{FF2B5EF4-FFF2-40B4-BE49-F238E27FC236}">
-                    <a16:creationId xmlns:a16="http://schemas.microsoft.com/office/drawing/2014/main" id="{2EC41B0B-14D1-430A-AA4C-0201EC4F7440}"/>
-                  </a:ext>
-                </a:extLst>
-              </p14:cNvPr>
-              <p14:cNvContentPartPr/>
-              <p14:nvPr/>
-            </p14:nvContentPartPr>
-            <p14:xfrm>
-              <a:off x="6801120" y="3156690"/>
-              <a:ext cx="1282680" cy="132120"/>
-            </p14:xfrm>
-          </p:contentPart>
-        </mc:Choice>
-        <mc:Fallback xmlns="">
-          <p:pic>
-            <p:nvPicPr>
-              <p:cNvPr id="2" name="Encre 1">
-                <a:extLst>
-                  <a:ext uri="{FF2B5EF4-FFF2-40B4-BE49-F238E27FC236}">
-                    <a16:creationId xmlns:a16="http://schemas.microsoft.com/office/drawing/2014/main" id="{2EC41B0B-14D1-430A-AA4C-0201EC4F7440}"/>
-                  </a:ext>
-                </a:extLst>
-              </p:cNvPr>
-              <p:cNvPicPr/>
-              <p:nvPr/>
-            </p:nvPicPr>
-            <p:blipFill>
-              <a:blip r:embed="rId10"/>
-              <a:stretch>
-                <a:fillRect/>
-              </a:stretch>
-            </p:blipFill>
-            <p:spPr>
-              <a:xfrm>
-                <a:off x="6792480" y="3148050"/>
-                <a:ext cx="1300320" cy="149760"/>
-              </a:xfrm>
-              <a:prstGeom prst="rect">
-                <a:avLst/>
-              </a:prstGeom>
-            </p:spPr>
-          </p:pic>
-        </mc:Fallback>
-      </mc:AlternateContent>
+      <p:pic>
+        <p:nvPicPr>
+          <p:cNvPr id="4" name="Image 3">
+            <a:extLst>
+              <a:ext uri="{FF2B5EF4-FFF2-40B4-BE49-F238E27FC236}">
+                <a16:creationId xmlns:a16="http://schemas.microsoft.com/office/drawing/2014/main" id="{5CA82036-577F-4E61-8800-33B12DD430C7}"/>
+              </a:ext>
+            </a:extLst>
+          </p:cNvPr>
+          <p:cNvPicPr>
+            <a:picLocks noChangeAspect="1"/>
+          </p:cNvPicPr>
+          <p:nvPr/>
+        </p:nvPicPr>
+        <p:blipFill>
+          <a:blip r:embed="rId7">
+            <a:extLst>
+              <a:ext uri="{28A0092B-C50C-407E-A947-70E740481C1C}">
+                <a14:useLocalDpi xmlns:a14="http://schemas.microsoft.com/office/drawing/2010/main" val="0"/>
+              </a:ext>
+            </a:extLst>
+          </a:blip>
+          <a:stretch>
+            <a:fillRect/>
+          </a:stretch>
+        </p:blipFill>
+        <p:spPr>
+          <a:xfrm>
+            <a:off x="4978866" y="4226745"/>
+            <a:ext cx="2743736" cy="2631255"/>
+          </a:xfrm>
+          <a:prstGeom prst="rect">
+            <a:avLst/>
+          </a:prstGeom>
+        </p:spPr>
+      </p:pic>
+      <p:pic>
+        <p:nvPicPr>
+          <p:cNvPr id="16" name="Image 15">
+            <a:extLst>
+              <a:ext uri="{FF2B5EF4-FFF2-40B4-BE49-F238E27FC236}">
+                <a16:creationId xmlns:a16="http://schemas.microsoft.com/office/drawing/2014/main" id="{2B42207C-9741-4021-9AF0-F634CD59CC3F}"/>
+              </a:ext>
+            </a:extLst>
+          </p:cNvPr>
+          <p:cNvPicPr>
+            <a:picLocks noChangeAspect="1"/>
+          </p:cNvPicPr>
+          <p:nvPr/>
+        </p:nvPicPr>
+        <p:blipFill>
+          <a:blip r:embed="rId8">
+            <a:extLst>
+              <a:ext uri="{28A0092B-C50C-407E-A947-70E740481C1C}">
+                <a14:useLocalDpi xmlns:a14="http://schemas.microsoft.com/office/drawing/2010/main" val="0"/>
+              </a:ext>
+            </a:extLst>
+          </a:blip>
+          <a:stretch>
+            <a:fillRect/>
+          </a:stretch>
+        </p:blipFill>
+        <p:spPr>
+          <a:xfrm>
+            <a:off x="9412241" y="3436113"/>
+            <a:ext cx="2120972" cy="741647"/>
+          </a:xfrm>
+          <a:prstGeom prst="rect">
+            <a:avLst/>
+          </a:prstGeom>
+        </p:spPr>
+      </p:pic>
     </p:spTree>
     <p:extLst>
       <p:ext uri="{BB962C8B-B14F-4D97-AF65-F5344CB8AC3E}">
